--- a/Time series analysis/StudConsumption/Cur/Untitled Folder/Презентация/Презентация Microsoft PowerPoint.pptx
+++ b/Time series analysis/StudConsumption/Cur/Untitled Folder/Презентация/Презентация Microsoft PowerPoint.pptx
@@ -204,7 +204,7 @@
           <a:p>
             <a:fld id="{FEE8C48A-0E08-4384-973E-B2B09A64D8BB}" type="datetimeFigureOut">
               <a:rPr lang="ru-RU" smtClean="0"/>
-              <a:t>07.10.20</a:t>
+              <a:t>09.10.20</a:t>
             </a:fld>
             <a:endParaRPr lang="ru-RU"/>
           </a:p>
@@ -1241,7 +1241,7 @@
           <a:p>
             <a:fld id="{B4C71EC6-210F-42DE-9C53-41977AD35B3D}" type="datetimeFigureOut">
               <a:rPr lang="ru-RU" smtClean="0"/>
-              <a:t>07.10.20</a:t>
+              <a:t>09.10.20</a:t>
             </a:fld>
             <a:endParaRPr lang="ru-RU"/>
           </a:p>
@@ -1406,7 +1406,7 @@
           <a:p>
             <a:fld id="{B4C71EC6-210F-42DE-9C53-41977AD35B3D}" type="datetimeFigureOut">
               <a:rPr lang="ru-RU" smtClean="0"/>
-              <a:t>07.10.20</a:t>
+              <a:t>09.10.20</a:t>
             </a:fld>
             <a:endParaRPr lang="ru-RU"/>
           </a:p>
@@ -1581,7 +1581,7 @@
           <a:p>
             <a:fld id="{B4C71EC6-210F-42DE-9C53-41977AD35B3D}" type="datetimeFigureOut">
               <a:rPr lang="ru-RU" smtClean="0"/>
-              <a:t>07.10.20</a:t>
+              <a:t>09.10.20</a:t>
             </a:fld>
             <a:endParaRPr lang="ru-RU"/>
           </a:p>
@@ -1746,7 +1746,7 @@
           <a:p>
             <a:fld id="{B4C71EC6-210F-42DE-9C53-41977AD35B3D}" type="datetimeFigureOut">
               <a:rPr lang="ru-RU" smtClean="0"/>
-              <a:t>07.10.20</a:t>
+              <a:t>09.10.20</a:t>
             </a:fld>
             <a:endParaRPr lang="ru-RU"/>
           </a:p>
@@ -1987,7 +1987,7 @@
           <a:p>
             <a:fld id="{B4C71EC6-210F-42DE-9C53-41977AD35B3D}" type="datetimeFigureOut">
               <a:rPr lang="ru-RU" smtClean="0"/>
-              <a:t>07.10.20</a:t>
+              <a:t>09.10.20</a:t>
             </a:fld>
             <a:endParaRPr lang="ru-RU"/>
           </a:p>
@@ -2270,7 +2270,7 @@
           <a:p>
             <a:fld id="{B4C71EC6-210F-42DE-9C53-41977AD35B3D}" type="datetimeFigureOut">
               <a:rPr lang="ru-RU" smtClean="0"/>
-              <a:t>07.10.20</a:t>
+              <a:t>09.10.20</a:t>
             </a:fld>
             <a:endParaRPr lang="ru-RU"/>
           </a:p>
@@ -2687,7 +2687,7 @@
           <a:p>
             <a:fld id="{B4C71EC6-210F-42DE-9C53-41977AD35B3D}" type="datetimeFigureOut">
               <a:rPr lang="ru-RU" smtClean="0"/>
-              <a:t>07.10.20</a:t>
+              <a:t>09.10.20</a:t>
             </a:fld>
             <a:endParaRPr lang="ru-RU"/>
           </a:p>
@@ -2800,7 +2800,7 @@
           <a:p>
             <a:fld id="{B4C71EC6-210F-42DE-9C53-41977AD35B3D}" type="datetimeFigureOut">
               <a:rPr lang="ru-RU" smtClean="0"/>
-              <a:t>07.10.20</a:t>
+              <a:t>09.10.20</a:t>
             </a:fld>
             <a:endParaRPr lang="ru-RU"/>
           </a:p>
@@ -2890,7 +2890,7 @@
           <a:p>
             <a:fld id="{B4C71EC6-210F-42DE-9C53-41977AD35B3D}" type="datetimeFigureOut">
               <a:rPr lang="ru-RU" smtClean="0"/>
-              <a:t>07.10.20</a:t>
+              <a:t>09.10.20</a:t>
             </a:fld>
             <a:endParaRPr lang="ru-RU"/>
           </a:p>
@@ -3162,7 +3162,7 @@
           <a:p>
             <a:fld id="{B4C71EC6-210F-42DE-9C53-41977AD35B3D}" type="datetimeFigureOut">
               <a:rPr lang="ru-RU" smtClean="0"/>
-              <a:t>07.10.20</a:t>
+              <a:t>09.10.20</a:t>
             </a:fld>
             <a:endParaRPr lang="ru-RU"/>
           </a:p>
@@ -3410,7 +3410,7 @@
           <a:p>
             <a:fld id="{B4C71EC6-210F-42DE-9C53-41977AD35B3D}" type="datetimeFigureOut">
               <a:rPr lang="ru-RU" smtClean="0"/>
-              <a:t>07.10.20</a:t>
+              <a:t>09.10.20</a:t>
             </a:fld>
             <a:endParaRPr lang="ru-RU"/>
           </a:p>
@@ -3618,7 +3618,7 @@
           <a:p>
             <a:fld id="{B4C71EC6-210F-42DE-9C53-41977AD35B3D}" type="datetimeFigureOut">
               <a:rPr lang="ru-RU" smtClean="0"/>
-              <a:t>07.10.20</a:t>
+              <a:t>09.10.20</a:t>
             </a:fld>
             <a:endParaRPr lang="ru-RU"/>
           </a:p>
@@ -4733,7 +4733,6 @@
               <a:rPr lang="ru-RU" sz="1200" dirty="0"/>
               <a:t>                   Важность: 0.0</a:t>
             </a:r>
-            <a:endParaRPr lang="ru-RU" sz="1200" dirty="0"/>
           </a:p>
         </p:txBody>
       </p:sp>
@@ -4935,40 +4934,66 @@
               <a:buNone/>
             </a:pPr>
             <a:r>
-              <a:rPr lang="ru-RU" dirty="0" smtClean="0"/>
+              <a:rPr lang="ru-RU" sz="3000" dirty="0" smtClean="0"/>
               <a:t>В результате получены модели описывающие реальные данные потребления с точностью</a:t>
             </a:r>
             <a:r>
-              <a:rPr lang="en-CA" dirty="0" smtClean="0"/>
-              <a:t>: 89,28%, 80,9%,91,81%. </a:t>
-            </a:r>
-            <a:r>
-              <a:rPr lang="ru-RU" dirty="0" smtClean="0"/>
-              <a:t>Получены уравнения авторегрессии, множественной регрессии</a:t>
-            </a:r>
-            <a:r>
-              <a:rPr lang="en-CA" dirty="0" smtClean="0"/>
+              <a:rPr lang="en-CA" sz="3000" dirty="0" smtClean="0"/>
+              <a:t>: 89,28%</a:t>
+            </a:r>
+            <a:r>
+              <a:rPr lang="ru-RU" sz="3000" dirty="0" smtClean="0"/>
+              <a:t>(</a:t>
+            </a:r>
+            <a:r>
+              <a:rPr lang="en-US" sz="3000" dirty="0" smtClean="0"/>
+              <a:t>HWES</a:t>
+            </a:r>
+            <a:r>
+              <a:rPr lang="ru-RU" sz="3000" dirty="0" smtClean="0"/>
+              <a:t>)</a:t>
+            </a:r>
+            <a:r>
+              <a:rPr lang="en-CA" sz="3000" dirty="0" smtClean="0"/>
+              <a:t>, 80,9%</a:t>
+            </a:r>
+            <a:r>
+              <a:rPr lang="ru-RU" sz="3000" dirty="0" smtClean="0"/>
+              <a:t>(</a:t>
+            </a:r>
+            <a:r>
+              <a:rPr lang="en-CA" sz="3000" dirty="0" smtClean="0"/>
+              <a:t>OLS),91,81%(</a:t>
+            </a:r>
+            <a:r>
+              <a:rPr lang="en-CA" sz="3000" dirty="0" err="1" smtClean="0"/>
+              <a:t>RandomForest</a:t>
+            </a:r>
+            <a:r>
+              <a:rPr lang="en-CA" sz="3000" dirty="0" smtClean="0"/>
+              <a:t>)</a:t>
+            </a:r>
+            <a:r>
+              <a:rPr lang="ru-RU" sz="3000" dirty="0" smtClean="0"/>
+              <a:t>, по параметрам которых можно получить уравнения регрессии, множественной регрессии, так-же выявлены</a:t>
+            </a:r>
+            <a:r>
+              <a:rPr lang="en-CA" sz="3000" dirty="0" smtClean="0"/>
               <a:t> ,</a:t>
             </a:r>
             <a:r>
-              <a:rPr lang="ru-RU" dirty="0" smtClean="0"/>
-              <a:t>значимые переменные и их статистические параметры. Написан универсальный скрипт для преобразования различных типов таблиц в </a:t>
-            </a:r>
-            <a:endParaRPr lang="en-US" dirty="0"/>
-          </a:p>
-          <a:p>
-            <a:pPr marL="0" indent="0">
-              <a:buNone/>
-            </a:pPr>
-            <a:r>
-              <a:rPr lang="en-US" dirty="0" err="1" smtClean="0"/>
+              <a:rPr lang="ru-RU" sz="3000" dirty="0" smtClean="0"/>
+              <a:t> значимые факторы, которые описывают потребление и их статистические параметры. Написан скрипт для преобразования различных типов таблиц в </a:t>
+            </a:r>
+            <a:r>
+              <a:rPr lang="en-US" sz="3000" dirty="0" err="1" smtClean="0"/>
               <a:t>pandas.DataFrame</a:t>
             </a:r>
             <a:r>
-              <a:rPr lang="en-US" dirty="0" smtClean="0"/>
+              <a:rPr lang="en-US" sz="3000" dirty="0" smtClean="0"/>
               <a:t>.</a:t>
             </a:r>
-            <a:endParaRPr lang="ru-RU" dirty="0" smtClean="0"/>
+            <a:endParaRPr lang="ru-RU" sz="3000" dirty="0" smtClean="0"/>
           </a:p>
           <a:p>
             <a:pPr marL="0" indent="0">
@@ -5728,7 +5753,12 @@
             <p:ph type="title"/>
           </p:nvPr>
         </p:nvSpPr>
-        <p:spPr/>
+        <p:spPr>
+          <a:xfrm>
+            <a:off x="389772" y="56499"/>
+            <a:ext cx="8229600" cy="1012974"/>
+          </a:xfrm>
+        </p:spPr>
         <p:txBody>
           <a:bodyPr>
             <a:normAutofit fontScale="90000"/>
@@ -5794,7 +5824,7 @@
         </p:blipFill>
         <p:spPr bwMode="auto">
           <a:xfrm>
-            <a:off x="86788" y="1628800"/>
+            <a:off x="116395" y="2558132"/>
             <a:ext cx="3693124" cy="1559980"/>
           </a:xfrm>
           <a:prstGeom prst="rect">
@@ -5848,7 +5878,7 @@
         </p:blipFill>
         <p:spPr bwMode="auto">
           <a:xfrm>
-            <a:off x="131756" y="3789040"/>
+            <a:off x="161363" y="4718372"/>
             <a:ext cx="3648156" cy="1555641"/>
           </a:xfrm>
           <a:prstGeom prst="rect">
@@ -5887,7 +5917,7 @@
         </p:nvSpPr>
         <p:spPr>
           <a:xfrm>
-            <a:off x="3787102" y="3140968"/>
+            <a:off x="3816709" y="4070300"/>
             <a:ext cx="576064" cy="648072"/>
           </a:xfrm>
           <a:prstGeom prst="rightArrow">
@@ -5942,7 +5972,7 @@
         </p:blipFill>
         <p:spPr bwMode="auto">
           <a:xfrm>
-            <a:off x="4499992" y="2255959"/>
+            <a:off x="4529599" y="3185291"/>
             <a:ext cx="4403855" cy="2418090"/>
           </a:xfrm>
           <a:prstGeom prst="rect">
@@ -5983,8 +6013,8 @@
         </p:nvSpPr>
         <p:spPr>
           <a:xfrm>
-            <a:off x="248366" y="5445224"/>
-            <a:ext cx="3531546" cy="1143000"/>
+            <a:off x="255556" y="6286500"/>
+            <a:ext cx="3531546" cy="301724"/>
           </a:xfrm>
           <a:prstGeom prst="rect">
             <a:avLst/>
@@ -5992,7 +6022,7 @@
         </p:spPr>
         <p:txBody>
           <a:bodyPr vert="horz" lIns="91440" tIns="45720" rIns="91440" bIns="45720" rtlCol="0" anchor="ctr">
-            <a:normAutofit fontScale="37500" lnSpcReduction="20000"/>
+            <a:normAutofit fontScale="25000" lnSpcReduction="20000"/>
           </a:bodyPr>
           <a:lstStyle>
             <a:lvl1pPr algn="ctr" defTabSz="914400" rtl="0" eaLnBrk="1" latinLnBrk="0" hangingPunct="1">
@@ -6026,8 +6056,12 @@
               <a:rPr lang="en-US" dirty="0" smtClean="0"/>
             </a:br>
             <a:r>
+              <a:rPr lang="ru-RU" sz="5600" dirty="0" smtClean="0"/>
+              <a:t>Исходные таблицы</a:t>
+            </a:r>
+            <a:r>
               <a:rPr lang="ru-RU" dirty="0" smtClean="0"/>
-              <a:t>Исходные таблицы</a:t>
+              <a:t/>
             </a:r>
             <a:br>
               <a:rPr lang="ru-RU" dirty="0" smtClean="0"/>
@@ -6053,8 +6087,8 @@
         </p:nvSpPr>
         <p:spPr>
           <a:xfrm>
-            <a:off x="4480407" y="5445224"/>
-            <a:ext cx="3531546" cy="1143000"/>
+            <a:off x="4504572" y="6286500"/>
+            <a:ext cx="3531546" cy="288032"/>
           </a:xfrm>
           <a:prstGeom prst="rect">
             <a:avLst/>
@@ -6062,7 +6096,7 @@
         </p:spPr>
         <p:txBody>
           <a:bodyPr vert="horz" lIns="91440" tIns="45720" rIns="91440" bIns="45720" rtlCol="0" anchor="ctr">
-            <a:normAutofit fontScale="37500" lnSpcReduction="20000"/>
+            <a:noAutofit/>
           </a:bodyPr>
           <a:lstStyle>
             <a:lvl1pPr algn="ctr" defTabSz="914400" rtl="0" eaLnBrk="1" latinLnBrk="0" hangingPunct="1">
@@ -6082,41 +6116,165 @@
           </a:lstStyle>
           <a:p>
             <a:r>
-              <a:rPr lang="en-US" dirty="0" smtClean="0"/>
+              <a:rPr lang="en-US" sz="1400" dirty="0" smtClean="0"/>
               <a:t/>
             </a:r>
             <a:br>
-              <a:rPr lang="en-US" dirty="0" smtClean="0"/>
+              <a:rPr lang="en-US" sz="1400" dirty="0" smtClean="0"/>
             </a:br>
             <a:r>
-              <a:rPr lang="en-US" dirty="0" smtClean="0"/>
+              <a:rPr lang="en-US" sz="1400" dirty="0" smtClean="0"/>
               <a:t/>
             </a:r>
             <a:br>
-              <a:rPr lang="en-US" dirty="0" smtClean="0"/>
+              <a:rPr lang="en-US" sz="1400" dirty="0" smtClean="0"/>
             </a:br>
             <a:r>
-              <a:rPr lang="ru-RU" dirty="0" smtClean="0"/>
+              <a:rPr lang="ru-RU" sz="1400" dirty="0" smtClean="0"/>
               <a:t>Итоговый </a:t>
             </a:r>
             <a:r>
-              <a:rPr lang="ru-RU" dirty="0" err="1" smtClean="0"/>
+              <a:rPr lang="ru-RU" sz="1400" dirty="0" err="1" smtClean="0"/>
               <a:t>датасет</a:t>
             </a:r>
             <a:r>
-              <a:rPr lang="ru-RU" dirty="0" smtClean="0"/>
+              <a:rPr lang="ru-RU" sz="1400" dirty="0" smtClean="0"/>
               <a:t/>
             </a:r>
             <a:br>
-              <a:rPr lang="ru-RU" dirty="0" smtClean="0"/>
+              <a:rPr lang="ru-RU" sz="1400" dirty="0" smtClean="0"/>
             </a:br>
             <a:r>
-              <a:rPr lang="ru-RU" dirty="0" smtClean="0"/>
+              <a:rPr lang="ru-RU" sz="1400" dirty="0" smtClean="0"/>
               <a:t/>
             </a:r>
             <a:br>
-              <a:rPr lang="ru-RU" dirty="0" smtClean="0"/>
+              <a:rPr lang="ru-RU" sz="1400" dirty="0" smtClean="0"/>
             </a:br>
+            <a:endParaRPr lang="ru-RU" sz="1400" dirty="0"/>
+          </a:p>
+        </p:txBody>
+      </p:sp>
+      <p:sp>
+        <p:nvSpPr>
+          <p:cNvPr id="9" name="Заголовок 1"/>
+          <p:cNvSpPr txBox="1">
+            <a:spLocks/>
+          </p:cNvSpPr>
+          <p:nvPr/>
+        </p:nvSpPr>
+        <p:spPr>
+          <a:xfrm>
+            <a:off x="226247" y="1196752"/>
+            <a:ext cx="8229600" cy="1143000"/>
+          </a:xfrm>
+          <a:prstGeom prst="rect">
+            <a:avLst/>
+          </a:prstGeom>
+        </p:spPr>
+        <p:txBody>
+          <a:bodyPr vert="horz" lIns="91440" tIns="45720" rIns="91440" bIns="45720" rtlCol="0" anchor="ctr">
+            <a:normAutofit fontScale="25000" lnSpcReduction="20000"/>
+          </a:bodyPr>
+          <a:lstStyle>
+            <a:lvl1pPr algn="ctr" defTabSz="914400" rtl="0" eaLnBrk="1" latinLnBrk="0" hangingPunct="1">
+              <a:spcBef>
+                <a:spcPct val="0"/>
+              </a:spcBef>
+              <a:buNone/>
+              <a:defRPr sz="4400" kern="1200">
+                <a:solidFill>
+                  <a:schemeClr val="tx1"/>
+                </a:solidFill>
+                <a:latin typeface="+mj-lt"/>
+                <a:ea typeface="+mj-ea"/>
+                <a:cs typeface="+mj-cs"/>
+              </a:defRPr>
+            </a:lvl1pPr>
+          </a:lstStyle>
+          <a:p>
+            <a:pPr algn="just"/>
+            <a:r>
+              <a:rPr lang="ru-RU" sz="6400" dirty="0"/>
+              <a:t>В первом этапе сложность состояла в том, что для работы с временными рядами в </a:t>
+            </a:r>
+            <a:r>
+              <a:rPr lang="en-CA" sz="6400" dirty="0"/>
+              <a:t>Python </a:t>
+            </a:r>
+            <a:r>
+              <a:rPr lang="ru-RU" sz="6400" dirty="0"/>
+              <a:t>необходимо было получить нужные переменные из разного формата таблиц, </a:t>
+            </a:r>
+            <a:r>
+              <a:rPr lang="ru-RU" sz="6400" dirty="0" err="1"/>
+              <a:t>валидировать</a:t>
+            </a:r>
+            <a:r>
+              <a:rPr lang="ru-RU" sz="6400" dirty="0"/>
+              <a:t> их и  составить </a:t>
+            </a:r>
+            <a:r>
+              <a:rPr lang="ru-RU" sz="6400" dirty="0" err="1"/>
+              <a:t>датасет</a:t>
+            </a:r>
+            <a:r>
+              <a:rPr lang="ru-RU" sz="6400" dirty="0"/>
+              <a:t> для дальнейшей работы.</a:t>
+            </a:r>
+          </a:p>
+          <a:p>
+            <a:pPr algn="just"/>
+            <a:r>
+              <a:rPr lang="ru-RU" sz="6400" dirty="0"/>
+              <a:t>Для решения этой задачи, был написан скрипт, который, относительно формата таблицы, получал данные из не валидной таблицы с переменными из </a:t>
+            </a:r>
+            <a:r>
+              <a:rPr lang="en-CA" sz="6400" dirty="0"/>
+              <a:t>excel</a:t>
+            </a:r>
+            <a:r>
+              <a:rPr lang="ru-RU" sz="6400" dirty="0"/>
+              <a:t>/</a:t>
+            </a:r>
+            <a:r>
+              <a:rPr lang="en-CA" sz="6400" dirty="0"/>
+              <a:t>csv</a:t>
+            </a:r>
+            <a:r>
+              <a:rPr lang="ru-RU" sz="6400" dirty="0"/>
+              <a:t>/</a:t>
+            </a:r>
+            <a:r>
+              <a:rPr lang="en-CA" sz="6400" dirty="0" err="1"/>
+              <a:t>db</a:t>
+            </a:r>
+            <a:r>
+              <a:rPr lang="en-CA" sz="6400" dirty="0"/>
+              <a:t> </a:t>
+            </a:r>
+            <a:r>
+              <a:rPr lang="ru-RU" sz="6400" dirty="0"/>
+              <a:t>в </a:t>
+            </a:r>
+            <a:r>
+              <a:rPr lang="en-CA" sz="6400" dirty="0"/>
+              <a:t>python</a:t>
+            </a:r>
+            <a:r>
+              <a:rPr lang="ru-RU" sz="6400" dirty="0"/>
+              <a:t>, обрабатывал их и в итоге составлял валидный </a:t>
+            </a:r>
+            <a:r>
+              <a:rPr lang="ru-RU" sz="6400" dirty="0" err="1"/>
+              <a:t>датасет</a:t>
+            </a:r>
+            <a:r>
+              <a:rPr lang="ru-RU" sz="6400" dirty="0"/>
+              <a:t>.  </a:t>
+            </a:r>
+          </a:p>
+          <a:p>
             <a:endParaRPr lang="ru-RU" dirty="0"/>
           </a:p>
         </p:txBody>
@@ -6395,7 +6553,15 @@
           <a:p>
             <a:r>
               <a:rPr lang="ru-RU" sz="2000" dirty="0" smtClean="0"/>
-              <a:t>Для каждого месяца, была сделана декомпозиция, для определения параметров моделей</a:t>
+              <a:t>Для каждого месяца, была сделана декомпозиция, для определения</a:t>
+            </a:r>
+            <a:r>
+              <a:rPr lang="en-CA" sz="2000" dirty="0" smtClean="0"/>
+              <a:t> </a:t>
+            </a:r>
+            <a:r>
+              <a:rPr lang="ru-RU" sz="2000" dirty="0" smtClean="0"/>
+              <a:t>будущих параметров моделей</a:t>
             </a:r>
             <a:endParaRPr lang="ru-RU" sz="2000" dirty="0"/>
           </a:p>

--- a/Time series analysis/StudConsumption/Cur/Untitled Folder/Презентация/Презентация Microsoft PowerPoint.pptx
+++ b/Time series analysis/StudConsumption/Cur/Untitled Folder/Презентация/Презентация Microsoft PowerPoint.pptx
@@ -204,7 +204,7 @@
           <a:p>
             <a:fld id="{FEE8C48A-0E08-4384-973E-B2B09A64D8BB}" type="datetimeFigureOut">
               <a:rPr lang="ru-RU" smtClean="0"/>
-              <a:t>09.10.20</a:t>
+              <a:t>15.11.20</a:t>
             </a:fld>
             <a:endParaRPr lang="ru-RU"/>
           </a:p>
@@ -1241,7 +1241,7 @@
           <a:p>
             <a:fld id="{B4C71EC6-210F-42DE-9C53-41977AD35B3D}" type="datetimeFigureOut">
               <a:rPr lang="ru-RU" smtClean="0"/>
-              <a:t>09.10.20</a:t>
+              <a:t>15.11.20</a:t>
             </a:fld>
             <a:endParaRPr lang="ru-RU"/>
           </a:p>
@@ -1406,7 +1406,7 @@
           <a:p>
             <a:fld id="{B4C71EC6-210F-42DE-9C53-41977AD35B3D}" type="datetimeFigureOut">
               <a:rPr lang="ru-RU" smtClean="0"/>
-              <a:t>09.10.20</a:t>
+              <a:t>15.11.20</a:t>
             </a:fld>
             <a:endParaRPr lang="ru-RU"/>
           </a:p>
@@ -1581,7 +1581,7 @@
           <a:p>
             <a:fld id="{B4C71EC6-210F-42DE-9C53-41977AD35B3D}" type="datetimeFigureOut">
               <a:rPr lang="ru-RU" smtClean="0"/>
-              <a:t>09.10.20</a:t>
+              <a:t>15.11.20</a:t>
             </a:fld>
             <a:endParaRPr lang="ru-RU"/>
           </a:p>
@@ -1746,7 +1746,7 @@
           <a:p>
             <a:fld id="{B4C71EC6-210F-42DE-9C53-41977AD35B3D}" type="datetimeFigureOut">
               <a:rPr lang="ru-RU" smtClean="0"/>
-              <a:t>09.10.20</a:t>
+              <a:t>15.11.20</a:t>
             </a:fld>
             <a:endParaRPr lang="ru-RU"/>
           </a:p>
@@ -1987,7 +1987,7 @@
           <a:p>
             <a:fld id="{B4C71EC6-210F-42DE-9C53-41977AD35B3D}" type="datetimeFigureOut">
               <a:rPr lang="ru-RU" smtClean="0"/>
-              <a:t>09.10.20</a:t>
+              <a:t>15.11.20</a:t>
             </a:fld>
             <a:endParaRPr lang="ru-RU"/>
           </a:p>
@@ -2270,7 +2270,7 @@
           <a:p>
             <a:fld id="{B4C71EC6-210F-42DE-9C53-41977AD35B3D}" type="datetimeFigureOut">
               <a:rPr lang="ru-RU" smtClean="0"/>
-              <a:t>09.10.20</a:t>
+              <a:t>15.11.20</a:t>
             </a:fld>
             <a:endParaRPr lang="ru-RU"/>
           </a:p>
@@ -2687,7 +2687,7 @@
           <a:p>
             <a:fld id="{B4C71EC6-210F-42DE-9C53-41977AD35B3D}" type="datetimeFigureOut">
               <a:rPr lang="ru-RU" smtClean="0"/>
-              <a:t>09.10.20</a:t>
+              <a:t>15.11.20</a:t>
             </a:fld>
             <a:endParaRPr lang="ru-RU"/>
           </a:p>
@@ -2800,7 +2800,7 @@
           <a:p>
             <a:fld id="{B4C71EC6-210F-42DE-9C53-41977AD35B3D}" type="datetimeFigureOut">
               <a:rPr lang="ru-RU" smtClean="0"/>
-              <a:t>09.10.20</a:t>
+              <a:t>15.11.20</a:t>
             </a:fld>
             <a:endParaRPr lang="ru-RU"/>
           </a:p>
@@ -2890,7 +2890,7 @@
           <a:p>
             <a:fld id="{B4C71EC6-210F-42DE-9C53-41977AD35B3D}" type="datetimeFigureOut">
               <a:rPr lang="ru-RU" smtClean="0"/>
-              <a:t>09.10.20</a:t>
+              <a:t>15.11.20</a:t>
             </a:fld>
             <a:endParaRPr lang="ru-RU"/>
           </a:p>
@@ -3162,7 +3162,7 @@
           <a:p>
             <a:fld id="{B4C71EC6-210F-42DE-9C53-41977AD35B3D}" type="datetimeFigureOut">
               <a:rPr lang="ru-RU" smtClean="0"/>
-              <a:t>09.10.20</a:t>
+              <a:t>15.11.20</a:t>
             </a:fld>
             <a:endParaRPr lang="ru-RU"/>
           </a:p>
@@ -3410,7 +3410,7 @@
           <a:p>
             <a:fld id="{B4C71EC6-210F-42DE-9C53-41977AD35B3D}" type="datetimeFigureOut">
               <a:rPr lang="ru-RU" smtClean="0"/>
-              <a:t>09.10.20</a:t>
+              <a:t>15.11.20</a:t>
             </a:fld>
             <a:endParaRPr lang="ru-RU"/>
           </a:p>
@@ -3618,7 +3618,7 @@
           <a:p>
             <a:fld id="{B4C71EC6-210F-42DE-9C53-41977AD35B3D}" type="datetimeFigureOut">
               <a:rPr lang="ru-RU" smtClean="0"/>
-              <a:t>09.10.20</a:t>
+              <a:t>15.11.20</a:t>
             </a:fld>
             <a:endParaRPr lang="ru-RU"/>
           </a:p>
